--- a/Assicurazioni/Strutture di dati_ita.pptx
+++ b/Assicurazioni/Strutture di dati_ita.pptx
@@ -5,13 +5,14 @@
     <p:sldMasterId id="2147483648" r:id="rId5"/>
   </p:sldMasterIdLst>
   <p:notesMasterIdLst>
-    <p:notesMasterId r:id="rId10"/>
+    <p:notesMasterId r:id="rId11"/>
   </p:notesMasterIdLst>
   <p:sldIdLst>
     <p:sldId id="256" r:id="rId6"/>
     <p:sldId id="365" r:id="rId7"/>
     <p:sldId id="366" r:id="rId8"/>
-    <p:sldId id="343" r:id="rId9"/>
+    <p:sldId id="367" r:id="rId9"/>
+    <p:sldId id="343" r:id="rId10"/>
   </p:sldIdLst>
   <p:sldSz cx="12192000" cy="6858000"/>
   <p:notesSz cx="6858000" cy="9144000"/>
@@ -269,7 +270,7 @@
               <a:pPr>
                 <a:defRPr/>
               </a:pPr>
-              <a:t>3/26/2023</a:t>
+              <a:t>3/27/2023</a:t>
             </a:fld>
             <a:endParaRPr lang="en-US"/>
           </a:p>
@@ -6826,7 +6827,7 @@
         <p:spPr>
           <a:xfrm>
             <a:off x="326297" y="1213806"/>
-            <a:ext cx="7607881" cy="4392612"/>
+            <a:ext cx="7256189" cy="4392612"/>
           </a:xfrm>
         </p:spPr>
         <p:txBody>
@@ -6855,7 +6856,7 @@
                 <a:ea typeface="Tahoma" panose="020B0604030504040204" pitchFamily="34" charset="0"/>
                 <a:cs typeface="Tahoma" panose="020B0604030504040204" pitchFamily="34" charset="0"/>
               </a:rPr>
-              <a:t>La </a:t>
+              <a:t>In </a:t>
             </a:r>
             <a:r>
               <a:rPr lang="it-IT" sz="2400" b="1">
@@ -6866,7 +6867,29 @@
                 <a:ea typeface="Tahoma" panose="020B0604030504040204" pitchFamily="34" charset="0"/>
                 <a:cs typeface="Tahoma" panose="020B0604030504040204" pitchFamily="34" charset="0"/>
               </a:rPr>
-              <a:t>Programmazione</a:t>
+              <a:t>Informatica, </a:t>
+            </a:r>
+            <a:r>
+              <a:rPr lang="it-IT" sz="2400">
+                <a:solidFill>
+                  <a:schemeClr val="tx1"/>
+                </a:solidFill>
+                <a:latin typeface="Tahoma" panose="020B0604030504040204" pitchFamily="34" charset="0"/>
+                <a:ea typeface="Tahoma" panose="020B0604030504040204" pitchFamily="34" charset="0"/>
+                <a:cs typeface="Tahoma" panose="020B0604030504040204" pitchFamily="34" charset="0"/>
+              </a:rPr>
+              <a:t>una </a:t>
+            </a:r>
+            <a:r>
+              <a:rPr lang="it-IT" sz="2400" b="1">
+                <a:solidFill>
+                  <a:schemeClr val="tx1"/>
+                </a:solidFill>
+                <a:latin typeface="Tahoma" panose="020B0604030504040204" pitchFamily="34" charset="0"/>
+                <a:ea typeface="Tahoma" panose="020B0604030504040204" pitchFamily="34" charset="0"/>
+                <a:cs typeface="Tahoma" panose="020B0604030504040204" pitchFamily="34" charset="0"/>
+              </a:rPr>
+              <a:t>Struttura</a:t>
             </a:r>
             <a:r>
               <a:rPr lang="it-IT" sz="2400">
@@ -6888,7 +6911,7 @@
                 <a:ea typeface="Tahoma" panose="020B0604030504040204" pitchFamily="34" charset="0"/>
                 <a:cs typeface="Tahoma" panose="020B0604030504040204" pitchFamily="34" charset="0"/>
               </a:rPr>
-              <a:t>Imperativa (Imperative</a:t>
+              <a:t>Dati</a:t>
             </a:r>
             <a:r>
               <a:rPr lang="it-IT" sz="2400">
@@ -6899,7 +6922,7 @@
                 <a:ea typeface="Tahoma" panose="020B0604030504040204" pitchFamily="34" charset="0"/>
                 <a:cs typeface="Tahoma" panose="020B0604030504040204" pitchFamily="34" charset="0"/>
               </a:rPr>
-              <a:t> </a:t>
+              <a:t> è un'entità usata per organizzare un insieme di </a:t>
             </a:r>
             <a:r>
               <a:rPr lang="it-IT" sz="2400" b="1">
@@ -6910,7 +6933,7 @@
                 <a:ea typeface="Tahoma" panose="020B0604030504040204" pitchFamily="34" charset="0"/>
                 <a:cs typeface="Tahoma" panose="020B0604030504040204" pitchFamily="34" charset="0"/>
               </a:rPr>
-              <a:t>Programming)</a:t>
+              <a:t>dati</a:t>
             </a:r>
             <a:r>
               <a:rPr lang="it-IT" sz="2400">
@@ -6921,7 +6944,62 @@
                 <a:ea typeface="Tahoma" panose="020B0604030504040204" pitchFamily="34" charset="0"/>
                 <a:cs typeface="Tahoma" panose="020B0604030504040204" pitchFamily="34" charset="0"/>
               </a:rPr>
-              <a:t> è un paradigma della programmazione informatica in cui il programma descrive i passaggi che modificano lo stato del computer. </a:t>
+              <a:t> all'interno della </a:t>
+            </a:r>
+            <a:r>
+              <a:rPr lang="it-IT" sz="2400" b="1">
+                <a:solidFill>
+                  <a:schemeClr val="tx1"/>
+                </a:solidFill>
+                <a:latin typeface="Tahoma" panose="020B0604030504040204" pitchFamily="34" charset="0"/>
+                <a:ea typeface="Tahoma" panose="020B0604030504040204" pitchFamily="34" charset="0"/>
+                <a:cs typeface="Tahoma" panose="020B0604030504040204" pitchFamily="34" charset="0"/>
+              </a:rPr>
+              <a:t>memoria</a:t>
+            </a:r>
+            <a:r>
+              <a:rPr lang="it-IT" sz="2400">
+                <a:solidFill>
+                  <a:schemeClr val="tx1"/>
+                </a:solidFill>
+                <a:latin typeface="Tahoma" panose="020B0604030504040204" pitchFamily="34" charset="0"/>
+                <a:ea typeface="Tahoma" panose="020B0604030504040204" pitchFamily="34" charset="0"/>
+                <a:cs typeface="Tahoma" panose="020B0604030504040204" pitchFamily="34" charset="0"/>
+              </a:rPr>
+              <a:t> del</a:t>
+            </a:r>
+            <a:r>
+              <a:rPr lang="it-IT" sz="2400" b="1">
+                <a:solidFill>
+                  <a:schemeClr val="tx1"/>
+                </a:solidFill>
+                <a:latin typeface="Tahoma" panose="020B0604030504040204" pitchFamily="34" charset="0"/>
+                <a:ea typeface="Tahoma" panose="020B0604030504040204" pitchFamily="34" charset="0"/>
+                <a:cs typeface="Tahoma" panose="020B0604030504040204" pitchFamily="34" charset="0"/>
+              </a:rPr>
+              <a:t> computer</a:t>
+            </a:r>
+            <a:r>
+              <a:rPr lang="it-IT" sz="2400">
+                <a:solidFill>
+                  <a:schemeClr val="tx1"/>
+                </a:solidFill>
+                <a:latin typeface="Tahoma" panose="020B0604030504040204" pitchFamily="34" charset="0"/>
+                <a:ea typeface="Tahoma" panose="020B0604030504040204" pitchFamily="34" charset="0"/>
+                <a:cs typeface="Tahoma" panose="020B0604030504040204" pitchFamily="34" charset="0"/>
+              </a:rPr>
+              <a:t>, ed eventualmente per memorizzarli in una </a:t>
+            </a:r>
+            <a:r>
+              <a:rPr lang="it-IT" sz="2400" b="1">
+                <a:solidFill>
+                  <a:schemeClr val="tx1"/>
+                </a:solidFill>
+                <a:latin typeface="Tahoma" panose="020B0604030504040204" pitchFamily="34" charset="0"/>
+                <a:ea typeface="Tahoma" panose="020B0604030504040204" pitchFamily="34" charset="0"/>
+                <a:cs typeface="Tahoma" panose="020B0604030504040204" pitchFamily="34" charset="0"/>
+              </a:rPr>
+              <a:t>memoria di massa. </a:t>
             </a:r>
           </a:p>
           <a:p>
@@ -6947,7 +7025,7 @@
                 <a:ea typeface="Tahoma" panose="020B0604030504040204" pitchFamily="34" charset="0"/>
                 <a:cs typeface="Tahoma" panose="020B0604030504040204" pitchFamily="34" charset="0"/>
               </a:rPr>
-              <a:t>Questa </a:t>
+              <a:t>La scelta delle </a:t>
             </a:r>
             <a:r>
               <a:rPr lang="it-IT" sz="2400" b="1">
@@ -6958,7 +7036,7 @@
                 <a:ea typeface="Tahoma" panose="020B0604030504040204" pitchFamily="34" charset="0"/>
                 <a:cs typeface="Tahoma" panose="020B0604030504040204" pitchFamily="34" charset="0"/>
               </a:rPr>
-              <a:t>programmazione</a:t>
+              <a:t>Strutture</a:t>
             </a:r>
             <a:r>
               <a:rPr lang="it-IT" sz="2400">
@@ -6969,7 +7047,95 @@
                 <a:ea typeface="Tahoma" panose="020B0604030504040204" pitchFamily="34" charset="0"/>
                 <a:cs typeface="Tahoma" panose="020B0604030504040204" pitchFamily="34" charset="0"/>
               </a:rPr>
-              <a:t> dice esplicitamente al computer 'come' realizzare qualcosa, invece che concentrarsi sul 'cosa' (prerogativa invece della programmazione dichiarativa, di cui fa parte la programmazione funzionale).</a:t>
+              <a:t> </a:t>
+            </a:r>
+            <a:r>
+              <a:rPr lang="it-IT" sz="2400" b="1">
+                <a:solidFill>
+                  <a:schemeClr val="tx1"/>
+                </a:solidFill>
+                <a:latin typeface="Tahoma" panose="020B0604030504040204" pitchFamily="34" charset="0"/>
+                <a:ea typeface="Tahoma" panose="020B0604030504040204" pitchFamily="34" charset="0"/>
+                <a:cs typeface="Tahoma" panose="020B0604030504040204" pitchFamily="34" charset="0"/>
+              </a:rPr>
+              <a:t>Dati</a:t>
+            </a:r>
+            <a:r>
+              <a:rPr lang="it-IT" sz="2400">
+                <a:solidFill>
+                  <a:schemeClr val="tx1"/>
+                </a:solidFill>
+                <a:latin typeface="Tahoma" panose="020B0604030504040204" pitchFamily="34" charset="0"/>
+                <a:ea typeface="Tahoma" panose="020B0604030504040204" pitchFamily="34" charset="0"/>
+                <a:cs typeface="Tahoma" panose="020B0604030504040204" pitchFamily="34" charset="0"/>
+              </a:rPr>
+              <a:t> da utilizzare è strettamente legata a quella degli </a:t>
+            </a:r>
+            <a:r>
+              <a:rPr lang="it-IT" sz="2400" b="1">
+                <a:solidFill>
+                  <a:schemeClr val="tx1"/>
+                </a:solidFill>
+                <a:latin typeface="Tahoma" panose="020B0604030504040204" pitchFamily="34" charset="0"/>
+                <a:ea typeface="Tahoma" panose="020B0604030504040204" pitchFamily="34" charset="0"/>
+                <a:cs typeface="Tahoma" panose="020B0604030504040204" pitchFamily="34" charset="0"/>
+              </a:rPr>
+              <a:t>algoritmi</a:t>
+            </a:r>
+            <a:r>
+              <a:rPr lang="it-IT" sz="2400">
+                <a:solidFill>
+                  <a:schemeClr val="tx1"/>
+                </a:solidFill>
+                <a:latin typeface="Tahoma" panose="020B0604030504040204" pitchFamily="34" charset="0"/>
+                <a:ea typeface="Tahoma" panose="020B0604030504040204" pitchFamily="34" charset="0"/>
+                <a:cs typeface="Tahoma" panose="020B0604030504040204" pitchFamily="34" charset="0"/>
+              </a:rPr>
+              <a:t>; per questo, spesso essi vengono considerati insieme. Infatti, la scelta della struttura dati influisce inevitabilmente </a:t>
+            </a:r>
+            <a:r>
+              <a:rPr lang="it-IT" sz="2400" b="1">
+                <a:solidFill>
+                  <a:schemeClr val="tx1"/>
+                </a:solidFill>
+                <a:latin typeface="Tahoma" panose="020B0604030504040204" pitchFamily="34" charset="0"/>
+                <a:ea typeface="Tahoma" panose="020B0604030504040204" pitchFamily="34" charset="0"/>
+                <a:cs typeface="Tahoma" panose="020B0604030504040204" pitchFamily="34" charset="0"/>
+              </a:rPr>
+              <a:t>sull'efficienza</a:t>
+            </a:r>
+            <a:r>
+              <a:rPr lang="it-IT" sz="2400">
+                <a:solidFill>
+                  <a:schemeClr val="tx1"/>
+                </a:solidFill>
+                <a:latin typeface="Tahoma" panose="020B0604030504040204" pitchFamily="34" charset="0"/>
+                <a:ea typeface="Tahoma" panose="020B0604030504040204" pitchFamily="34" charset="0"/>
+                <a:cs typeface="Tahoma" panose="020B0604030504040204" pitchFamily="34" charset="0"/>
+              </a:rPr>
+              <a:t> </a:t>
+            </a:r>
+            <a:r>
+              <a:rPr lang="it-IT" sz="2400" b="1">
+                <a:solidFill>
+                  <a:schemeClr val="tx1"/>
+                </a:solidFill>
+                <a:latin typeface="Tahoma" panose="020B0604030504040204" pitchFamily="34" charset="0"/>
+                <a:ea typeface="Tahoma" panose="020B0604030504040204" pitchFamily="34" charset="0"/>
+                <a:cs typeface="Tahoma" panose="020B0604030504040204" pitchFamily="34" charset="0"/>
+              </a:rPr>
+              <a:t>computazionale</a:t>
+            </a:r>
+            <a:r>
+              <a:rPr lang="it-IT" sz="2400">
+                <a:solidFill>
+                  <a:schemeClr val="tx1"/>
+                </a:solidFill>
+                <a:latin typeface="Tahoma" panose="020B0604030504040204" pitchFamily="34" charset="0"/>
+                <a:ea typeface="Tahoma" panose="020B0604030504040204" pitchFamily="34" charset="0"/>
+                <a:cs typeface="Tahoma" panose="020B0604030504040204" pitchFamily="34" charset="0"/>
+              </a:rPr>
+              <a:t> degli algoritmi che la manipolano.</a:t>
             </a:r>
           </a:p>
         </p:txBody>
@@ -7027,7 +7193,7 @@
         </p:nvSpPr>
         <p:spPr>
           <a:xfrm>
-            <a:off x="468313" y="671508"/>
+            <a:off x="461169" y="422999"/>
             <a:ext cx="11269662" cy="384721"/>
           </a:xfrm>
         </p:spPr>
@@ -7050,6 +7216,36 @@
           </a:p>
         </p:txBody>
       </p:sp>
+      <p:pic>
+        <p:nvPicPr>
+          <p:cNvPr id="4" name="Immagine 3">
+            <a:extLst>
+              <a:ext uri="{FF2B5EF4-FFF2-40B4-BE49-F238E27FC236}">
+                <a16:creationId xmlns:a16="http://schemas.microsoft.com/office/drawing/2014/main" id="{1E04DA99-7D49-6638-621D-2DE4447D18FA}"/>
+              </a:ext>
+            </a:extLst>
+          </p:cNvPr>
+          <p:cNvPicPr>
+            <a:picLocks noChangeAspect="1"/>
+          </p:cNvPicPr>
+          <p:nvPr/>
+        </p:nvPicPr>
+        <p:blipFill>
+          <a:blip r:embed="rId2"/>
+          <a:stretch>
+            <a:fillRect/>
+          </a:stretch>
+        </p:blipFill>
+        <p:spPr>
+          <a:xfrm>
+            <a:off x="7819585" y="2343312"/>
+            <a:ext cx="4239616" cy="2158350"/>
+          </a:xfrm>
+          <a:prstGeom prst="rect">
+            <a:avLst/>
+          </a:prstGeom>
+        </p:spPr>
+      </p:pic>
     </p:spTree>
     <p:extLst>
       <p:ext uri="{BB962C8B-B14F-4D97-AF65-F5344CB8AC3E}">
@@ -7082,6 +7278,215 @@
       </p:grpSpPr>
       <p:sp>
         <p:nvSpPr>
+          <p:cNvPr id="2" name="Segnaposto testo 1">
+            <a:extLst>
+              <a:ext uri="{FF2B5EF4-FFF2-40B4-BE49-F238E27FC236}">
+                <a16:creationId xmlns:a16="http://schemas.microsoft.com/office/drawing/2014/main" id="{E5AE986C-196F-4141-A898-FA4C4198CDCC}"/>
+              </a:ext>
+            </a:extLst>
+          </p:cNvPr>
+          <p:cNvSpPr>
+            <a:spLocks noGrp="1"/>
+          </p:cNvSpPr>
+          <p:nvPr>
+            <p:ph type="body" idx="1"/>
+          </p:nvPr>
+        </p:nvSpPr>
+        <p:spPr>
+          <a:xfrm>
+            <a:off x="326297" y="1213806"/>
+            <a:ext cx="11269662" cy="4392612"/>
+          </a:xfrm>
+        </p:spPr>
+        <p:txBody>
+          <a:bodyPr/>
+          <a:lstStyle/>
+          <a:p>
+            <a:pPr marL="342900" indent="-342900" algn="just">
+              <a:lnSpc>
+                <a:spcPct val="115000"/>
+              </a:lnSpc>
+              <a:spcBef>
+                <a:spcPts val="2400"/>
+              </a:spcBef>
+              <a:buFont typeface="Wingdings" panose="05000000000000000000" pitchFamily="2" charset="2"/>
+              <a:buChar char="ü"/>
+              <a:tabLst>
+                <a:tab pos="457200" algn="l"/>
+              </a:tabLst>
+            </a:pPr>
+            <a:r>
+              <a:rPr lang="it-IT" sz="2400" b="0" i="0">
+                <a:solidFill>
+                  <a:srgbClr val="202122"/>
+                </a:solidFill>
+                <a:effectLst/>
+                <a:latin typeface="Tahoma" panose="020B0604030504040204" pitchFamily="34" charset="0"/>
+                <a:ea typeface="Tahoma" panose="020B0604030504040204" pitchFamily="34" charset="0"/>
+                <a:cs typeface="Tahoma" panose="020B0604030504040204" pitchFamily="34" charset="0"/>
+              </a:rPr>
+              <a:t>La </a:t>
+            </a:r>
+            <a:r>
+              <a:rPr lang="it-IT" sz="2400" b="1" i="0">
+                <a:solidFill>
+                  <a:srgbClr val="202122"/>
+                </a:solidFill>
+                <a:effectLst/>
+                <a:latin typeface="Tahoma" panose="020B0604030504040204" pitchFamily="34" charset="0"/>
+                <a:ea typeface="Tahoma" panose="020B0604030504040204" pitchFamily="34" charset="0"/>
+                <a:cs typeface="Tahoma" panose="020B0604030504040204" pitchFamily="34" charset="0"/>
+              </a:rPr>
+              <a:t>Struttura</a:t>
+            </a:r>
+            <a:r>
+              <a:rPr lang="it-IT" sz="2400" b="0" i="0">
+                <a:solidFill>
+                  <a:srgbClr val="202122"/>
+                </a:solidFill>
+                <a:effectLst/>
+                <a:latin typeface="Tahoma" panose="020B0604030504040204" pitchFamily="34" charset="0"/>
+                <a:ea typeface="Tahoma" panose="020B0604030504040204" pitchFamily="34" charset="0"/>
+                <a:cs typeface="Tahoma" panose="020B0604030504040204" pitchFamily="34" charset="0"/>
+              </a:rPr>
+              <a:t> </a:t>
+            </a:r>
+            <a:r>
+              <a:rPr lang="it-IT" sz="2400" b="1" i="0">
+                <a:solidFill>
+                  <a:srgbClr val="202122"/>
+                </a:solidFill>
+                <a:effectLst/>
+                <a:latin typeface="Tahoma" panose="020B0604030504040204" pitchFamily="34" charset="0"/>
+                <a:ea typeface="Tahoma" panose="020B0604030504040204" pitchFamily="34" charset="0"/>
+                <a:cs typeface="Tahoma" panose="020B0604030504040204" pitchFamily="34" charset="0"/>
+              </a:rPr>
+              <a:t>Dati</a:t>
+            </a:r>
+            <a:r>
+              <a:rPr lang="it-IT" sz="2400" b="0" i="0">
+                <a:solidFill>
+                  <a:srgbClr val="202122"/>
+                </a:solidFill>
+                <a:effectLst/>
+                <a:latin typeface="Tahoma" panose="020B0604030504040204" pitchFamily="34" charset="0"/>
+                <a:ea typeface="Tahoma" panose="020B0604030504040204" pitchFamily="34" charset="0"/>
+                <a:cs typeface="Tahoma" panose="020B0604030504040204" pitchFamily="34" charset="0"/>
+              </a:rPr>
+              <a:t> è un metodo di </a:t>
+            </a:r>
+            <a:r>
+              <a:rPr lang="it-IT" sz="2400" b="1" i="0">
+                <a:solidFill>
+                  <a:srgbClr val="202122"/>
+                </a:solidFill>
+                <a:effectLst/>
+                <a:latin typeface="Tahoma" panose="020B0604030504040204" pitchFamily="34" charset="0"/>
+                <a:ea typeface="Tahoma" panose="020B0604030504040204" pitchFamily="34" charset="0"/>
+                <a:cs typeface="Tahoma" panose="020B0604030504040204" pitchFamily="34" charset="0"/>
+              </a:rPr>
+              <a:t>organizzazione</a:t>
+            </a:r>
+            <a:r>
+              <a:rPr lang="it-IT" sz="2400" b="0" i="0">
+                <a:solidFill>
+                  <a:srgbClr val="202122"/>
+                </a:solidFill>
+                <a:effectLst/>
+                <a:latin typeface="Tahoma" panose="020B0604030504040204" pitchFamily="34" charset="0"/>
+                <a:ea typeface="Tahoma" panose="020B0604030504040204" pitchFamily="34" charset="0"/>
+                <a:cs typeface="Tahoma" panose="020B0604030504040204" pitchFamily="34" charset="0"/>
+              </a:rPr>
+              <a:t> </a:t>
+            </a:r>
+            <a:r>
+              <a:rPr lang="it-IT" sz="2400" b="1" i="0">
+                <a:solidFill>
+                  <a:srgbClr val="202122"/>
+                </a:solidFill>
+                <a:effectLst/>
+                <a:latin typeface="Tahoma" panose="020B0604030504040204" pitchFamily="34" charset="0"/>
+                <a:ea typeface="Tahoma" panose="020B0604030504040204" pitchFamily="34" charset="0"/>
+                <a:cs typeface="Tahoma" panose="020B0604030504040204" pitchFamily="34" charset="0"/>
+              </a:rPr>
+              <a:t>dati</a:t>
+            </a:r>
+            <a:r>
+              <a:rPr lang="it-IT" sz="2400" b="0" i="0">
+                <a:solidFill>
+                  <a:srgbClr val="202122"/>
+                </a:solidFill>
+                <a:effectLst/>
+                <a:latin typeface="Tahoma" panose="020B0604030504040204" pitchFamily="34" charset="0"/>
+                <a:ea typeface="Tahoma" panose="020B0604030504040204" pitchFamily="34" charset="0"/>
+                <a:cs typeface="Tahoma" panose="020B0604030504040204" pitchFamily="34" charset="0"/>
+              </a:rPr>
+              <a:t>, quindi prescinde da ciò che è effettivamente contenuto. </a:t>
+            </a:r>
+          </a:p>
+          <a:p>
+            <a:pPr marL="342900" indent="-342900" algn="just">
+              <a:lnSpc>
+                <a:spcPct val="115000"/>
+              </a:lnSpc>
+              <a:spcBef>
+                <a:spcPts val="2400"/>
+              </a:spcBef>
+              <a:buFont typeface="Wingdings" panose="05000000000000000000" pitchFamily="2" charset="2"/>
+              <a:buChar char="ü"/>
+              <a:tabLst>
+                <a:tab pos="457200" algn="l"/>
+              </a:tabLst>
+            </a:pPr>
+            <a:r>
+              <a:rPr lang="it-IT" sz="2400" b="0" i="0">
+                <a:solidFill>
+                  <a:srgbClr val="202122"/>
+                </a:solidFill>
+                <a:effectLst/>
+                <a:latin typeface="Tahoma" panose="020B0604030504040204" pitchFamily="34" charset="0"/>
+                <a:ea typeface="Tahoma" panose="020B0604030504040204" pitchFamily="34" charset="0"/>
+                <a:cs typeface="Tahoma" panose="020B0604030504040204" pitchFamily="34" charset="0"/>
+              </a:rPr>
+              <a:t>Ciascun</a:t>
+            </a:r>
+            <a:r>
+              <a:rPr lang="it-IT" sz="2400" b="1" i="0">
+                <a:solidFill>
+                  <a:srgbClr val="202122"/>
+                </a:solidFill>
+                <a:effectLst/>
+                <a:latin typeface="Tahoma" panose="020B0604030504040204" pitchFamily="34" charset="0"/>
+                <a:ea typeface="Tahoma" panose="020B0604030504040204" pitchFamily="34" charset="0"/>
+                <a:cs typeface="Tahoma" panose="020B0604030504040204" pitchFamily="34" charset="0"/>
+              </a:rPr>
+              <a:t> linguaggio di programmazione </a:t>
+            </a:r>
+            <a:r>
+              <a:rPr lang="it-IT" sz="2400" b="0" i="0">
+                <a:solidFill>
+                  <a:srgbClr val="202122"/>
+                </a:solidFill>
+                <a:effectLst/>
+                <a:latin typeface="Tahoma" panose="020B0604030504040204" pitchFamily="34" charset="0"/>
+                <a:ea typeface="Tahoma" panose="020B0604030504040204" pitchFamily="34" charset="0"/>
+                <a:cs typeface="Tahoma" panose="020B0604030504040204" pitchFamily="34" charset="0"/>
+              </a:rPr>
+              <a:t>offre strumenti, più o meno sofisticati, per definire strutture dati, ovvero aggregare dati di tipo omogeneo o eterogeneo. Questi strumenti sono tipicamente componibili.</a:t>
+            </a:r>
+            <a:endParaRPr lang="it-IT" sz="2400">
+              <a:solidFill>
+                <a:schemeClr val="tx1"/>
+              </a:solidFill>
+              <a:latin typeface="Tahoma" panose="020B0604030504040204" pitchFamily="34" charset="0"/>
+              <a:ea typeface="Tahoma" panose="020B0604030504040204" pitchFamily="34" charset="0"/>
+              <a:cs typeface="Tahoma" panose="020B0604030504040204" pitchFamily="34" charset="0"/>
+            </a:endParaRPr>
+          </a:p>
+        </p:txBody>
+      </p:sp>
+      <p:sp>
+        <p:nvSpPr>
           <p:cNvPr id="7" name="Segnaposto numero diapositiva 6">
             <a:extLst>
               <a:ext uri="{FF2B5EF4-FFF2-40B4-BE49-F238E27FC236}">
@@ -7133,8 +7538,8 @@
         </p:nvSpPr>
         <p:spPr>
           <a:xfrm>
-            <a:off x="468313" y="286788"/>
-            <a:ext cx="11269662" cy="769441"/>
+            <a:off x="461169" y="422999"/>
+            <a:ext cx="11269662" cy="384721"/>
           </a:xfrm>
         </p:spPr>
         <p:txBody>
@@ -7142,7 +7547,7 @@
           <a:lstStyle/>
           <a:p>
             <a:r>
-              <a:rPr lang="it-IT" sz="2800">
+              <a:rPr lang="it-IT">
                 <a:solidFill>
                   <a:schemeClr val="tx1"/>
                 </a:solidFill>
@@ -7150,44 +7555,46 @@
                 <a:ea typeface="Tahoma" panose="020B0604030504040204" pitchFamily="34" charset="0"/>
                 <a:cs typeface="Tahoma" panose="020B0604030504040204" pitchFamily="34" charset="0"/>
               </a:rPr>
-              <a:t>Programmazione Imperativa</a:t>
-            </a:r>
-            <a:br>
-              <a:rPr lang="it-IT"/>
-            </a:br>
+              <a:t>Strutture di Dati</a:t>
+            </a:r>
             <a:endParaRPr lang="it-IT" dirty="0"/>
           </a:p>
         </p:txBody>
       </p:sp>
-      <p:sp>
-        <p:nvSpPr>
-          <p:cNvPr id="3" name="Segnaposto testo 2">
+      <p:pic>
+        <p:nvPicPr>
+          <p:cNvPr id="5" name="Immagine 4" descr="Immagine che contiene diagramma&#10;&#10;Descrizione generata automaticamente">
             <a:extLst>
               <a:ext uri="{FF2B5EF4-FFF2-40B4-BE49-F238E27FC236}">
-                <a16:creationId xmlns:a16="http://schemas.microsoft.com/office/drawing/2014/main" id="{188267F9-E0FE-ECE7-93E7-6C65FDC7BC7A}"/>
+                <a16:creationId xmlns:a16="http://schemas.microsoft.com/office/drawing/2014/main" id="{C0560ED8-E3B0-75C8-5656-3214B6F1C8A5}"/>
               </a:ext>
             </a:extLst>
           </p:cNvPr>
-          <p:cNvSpPr>
-            <a:spLocks noGrp="1"/>
-          </p:cNvSpPr>
-          <p:nvPr>
-            <p:ph type="body" idx="1"/>
-          </p:nvPr>
-        </p:nvSpPr>
-        <p:spPr/>
-        <p:txBody>
-          <a:bodyPr/>
-          <a:lstStyle/>
-          <a:p>
-            <a:endParaRPr lang="it-IT"/>
-          </a:p>
-        </p:txBody>
-      </p:sp>
+          <p:cNvPicPr>
+            <a:picLocks noChangeAspect="1"/>
+          </p:cNvPicPr>
+          <p:nvPr/>
+        </p:nvPicPr>
+        <p:blipFill>
+          <a:blip r:embed="rId2"/>
+          <a:stretch>
+            <a:fillRect/>
+          </a:stretch>
+        </p:blipFill>
+        <p:spPr>
+          <a:xfrm>
+            <a:off x="5087081" y="3856963"/>
+            <a:ext cx="6307749" cy="2905387"/>
+          </a:xfrm>
+          <a:prstGeom prst="rect">
+            <a:avLst/>
+          </a:prstGeom>
+        </p:spPr>
+      </p:pic>
     </p:spTree>
     <p:extLst>
       <p:ext uri="{BB962C8B-B14F-4D97-AF65-F5344CB8AC3E}">
-        <p14:creationId xmlns:p14="http://schemas.microsoft.com/office/powerpoint/2010/main" val="400520006"/>
+        <p14:creationId xmlns:p14="http://schemas.microsoft.com/office/powerpoint/2010/main" val="444507955"/>
       </p:ext>
     </p:extLst>
   </p:cSld>
@@ -7216,6 +7623,521 @@
       </p:grpSpPr>
       <p:sp>
         <p:nvSpPr>
+          <p:cNvPr id="2" name="Segnaposto testo 1">
+            <a:extLst>
+              <a:ext uri="{FF2B5EF4-FFF2-40B4-BE49-F238E27FC236}">
+                <a16:creationId xmlns:a16="http://schemas.microsoft.com/office/drawing/2014/main" id="{E5AE986C-196F-4141-A898-FA4C4198CDCC}"/>
+              </a:ext>
+            </a:extLst>
+          </p:cNvPr>
+          <p:cNvSpPr>
+            <a:spLocks noGrp="1"/>
+          </p:cNvSpPr>
+          <p:nvPr>
+            <p:ph type="body" idx="1"/>
+          </p:nvPr>
+        </p:nvSpPr>
+        <p:spPr>
+          <a:xfrm>
+            <a:off x="326297" y="1213806"/>
+            <a:ext cx="11269662" cy="4392612"/>
+          </a:xfrm>
+        </p:spPr>
+        <p:txBody>
+          <a:bodyPr/>
+          <a:lstStyle/>
+          <a:p>
+            <a:pPr marL="342900" indent="-342900" algn="just">
+              <a:lnSpc>
+                <a:spcPct val="115000"/>
+              </a:lnSpc>
+              <a:spcBef>
+                <a:spcPts val="2400"/>
+              </a:spcBef>
+              <a:buFont typeface="Wingdings" panose="05000000000000000000" pitchFamily="2" charset="2"/>
+              <a:buChar char="ü"/>
+              <a:tabLst>
+                <a:tab pos="457200" algn="l"/>
+              </a:tabLst>
+            </a:pPr>
+            <a:r>
+              <a:rPr lang="it-IT" sz="2400" b="0" i="0">
+                <a:solidFill>
+                  <a:srgbClr val="202122"/>
+                </a:solidFill>
+                <a:effectLst/>
+                <a:latin typeface="Tahoma" panose="020B0604030504040204" pitchFamily="34" charset="0"/>
+                <a:ea typeface="Tahoma" panose="020B0604030504040204" pitchFamily="34" charset="0"/>
+                <a:cs typeface="Tahoma" panose="020B0604030504040204" pitchFamily="34" charset="0"/>
+              </a:rPr>
+              <a:t>Più formalmente, i linguaggi forniscono un insieme predefinito di </a:t>
+            </a:r>
+            <a:r>
+              <a:rPr lang="it-IT" sz="2400" b="1" i="0">
+                <a:solidFill>
+                  <a:srgbClr val="202122"/>
+                </a:solidFill>
+                <a:effectLst/>
+                <a:latin typeface="Tahoma" panose="020B0604030504040204" pitchFamily="34" charset="0"/>
+                <a:ea typeface="Tahoma" panose="020B0604030504040204" pitchFamily="34" charset="0"/>
+                <a:cs typeface="Tahoma" panose="020B0604030504040204" pitchFamily="34" charset="0"/>
+              </a:rPr>
+              <a:t>tipi di dati </a:t>
+            </a:r>
+            <a:r>
+              <a:rPr lang="it-IT" sz="2400" b="0" i="0">
+                <a:solidFill>
+                  <a:srgbClr val="202122"/>
+                </a:solidFill>
+                <a:effectLst/>
+                <a:latin typeface="Tahoma" panose="020B0604030504040204" pitchFamily="34" charset="0"/>
+                <a:ea typeface="Tahoma" panose="020B0604030504040204" pitchFamily="34" charset="0"/>
+                <a:cs typeface="Tahoma" panose="020B0604030504040204" pitchFamily="34" charset="0"/>
+              </a:rPr>
+              <a:t>elementari, e le </a:t>
+            </a:r>
+            <a:r>
+              <a:rPr lang="it-IT" sz="2400" b="1" i="0">
+                <a:solidFill>
+                  <a:srgbClr val="202122"/>
+                </a:solidFill>
+                <a:effectLst/>
+                <a:latin typeface="Tahoma" panose="020B0604030504040204" pitchFamily="34" charset="0"/>
+                <a:ea typeface="Tahoma" panose="020B0604030504040204" pitchFamily="34" charset="0"/>
+                <a:cs typeface="Tahoma" panose="020B0604030504040204" pitchFamily="34" charset="0"/>
+              </a:rPr>
+              <a:t>strutture</a:t>
+            </a:r>
+            <a:r>
+              <a:rPr lang="it-IT" sz="2400" b="0" i="0">
+                <a:solidFill>
+                  <a:srgbClr val="202122"/>
+                </a:solidFill>
+                <a:effectLst/>
+                <a:latin typeface="Tahoma" panose="020B0604030504040204" pitchFamily="34" charset="0"/>
+                <a:ea typeface="Tahoma" panose="020B0604030504040204" pitchFamily="34" charset="0"/>
+                <a:cs typeface="Tahoma" panose="020B0604030504040204" pitchFamily="34" charset="0"/>
+              </a:rPr>
+              <a:t> </a:t>
+            </a:r>
+            <a:r>
+              <a:rPr lang="it-IT" sz="2400" b="1" i="0">
+                <a:solidFill>
+                  <a:srgbClr val="202122"/>
+                </a:solidFill>
+                <a:effectLst/>
+                <a:latin typeface="Tahoma" panose="020B0604030504040204" pitchFamily="34" charset="0"/>
+                <a:ea typeface="Tahoma" panose="020B0604030504040204" pitchFamily="34" charset="0"/>
+                <a:cs typeface="Tahoma" panose="020B0604030504040204" pitchFamily="34" charset="0"/>
+              </a:rPr>
+              <a:t>dati</a:t>
+            </a:r>
+            <a:r>
+              <a:rPr lang="it-IT" sz="2400" b="0" i="0">
+                <a:solidFill>
+                  <a:srgbClr val="202122"/>
+                </a:solidFill>
+                <a:effectLst/>
+                <a:latin typeface="Tahoma" panose="020B0604030504040204" pitchFamily="34" charset="0"/>
+                <a:ea typeface="Tahoma" panose="020B0604030504040204" pitchFamily="34" charset="0"/>
+                <a:cs typeface="Tahoma" panose="020B0604030504040204" pitchFamily="34" charset="0"/>
+              </a:rPr>
+              <a:t> sono strumenti per costruire </a:t>
+            </a:r>
+            <a:r>
+              <a:rPr lang="it-IT" sz="2400" b="1" i="0">
+                <a:solidFill>
+                  <a:srgbClr val="202122"/>
+                </a:solidFill>
+                <a:effectLst/>
+                <a:latin typeface="Tahoma" panose="020B0604030504040204" pitchFamily="34" charset="0"/>
+                <a:ea typeface="Tahoma" panose="020B0604030504040204" pitchFamily="34" charset="0"/>
+                <a:cs typeface="Tahoma" panose="020B0604030504040204" pitchFamily="34" charset="0"/>
+              </a:rPr>
+              <a:t>tipi di dati aggregati</a:t>
+            </a:r>
+            <a:r>
+              <a:rPr lang="it-IT" sz="2400" b="0" i="0">
+                <a:solidFill>
+                  <a:srgbClr val="202122"/>
+                </a:solidFill>
+                <a:effectLst/>
+                <a:latin typeface="Tahoma" panose="020B0604030504040204" pitchFamily="34" charset="0"/>
+                <a:ea typeface="Tahoma" panose="020B0604030504040204" pitchFamily="34" charset="0"/>
+                <a:cs typeface="Tahoma" panose="020B0604030504040204" pitchFamily="34" charset="0"/>
+              </a:rPr>
+              <a:t> più complessi.</a:t>
+            </a:r>
+          </a:p>
+          <a:p>
+            <a:pPr marL="342900" indent="-342900" algn="just">
+              <a:lnSpc>
+                <a:spcPct val="115000"/>
+              </a:lnSpc>
+              <a:spcBef>
+                <a:spcPts val="2400"/>
+              </a:spcBef>
+              <a:buFont typeface="Wingdings" panose="05000000000000000000" pitchFamily="2" charset="2"/>
+              <a:buChar char="ü"/>
+              <a:tabLst>
+                <a:tab pos="457200" algn="l"/>
+              </a:tabLst>
+            </a:pPr>
+            <a:r>
+              <a:rPr lang="it-IT" sz="2400" b="0" i="0">
+                <a:solidFill>
+                  <a:srgbClr val="202122"/>
+                </a:solidFill>
+                <a:effectLst/>
+                <a:latin typeface="Tahoma" panose="020B0604030504040204" pitchFamily="34" charset="0"/>
+                <a:ea typeface="Tahoma" panose="020B0604030504040204" pitchFamily="34" charset="0"/>
+                <a:cs typeface="Tahoma" panose="020B0604030504040204" pitchFamily="34" charset="0"/>
+              </a:rPr>
+              <a:t>L'operazione di </a:t>
+            </a:r>
+            <a:r>
+              <a:rPr lang="it-IT" sz="2400" b="1" i="0">
+                <a:solidFill>
+                  <a:srgbClr val="202122"/>
+                </a:solidFill>
+                <a:effectLst/>
+                <a:latin typeface="Tahoma" panose="020B0604030504040204" pitchFamily="34" charset="0"/>
+                <a:ea typeface="Tahoma" panose="020B0604030504040204" pitchFamily="34" charset="0"/>
+                <a:cs typeface="Tahoma" panose="020B0604030504040204" pitchFamily="34" charset="0"/>
+              </a:rPr>
+              <a:t>costruzione</a:t>
+            </a:r>
+            <a:r>
+              <a:rPr lang="it-IT" sz="2400" b="0" i="0">
+                <a:solidFill>
+                  <a:srgbClr val="202122"/>
+                </a:solidFill>
+                <a:effectLst/>
+                <a:latin typeface="Tahoma" panose="020B0604030504040204" pitchFamily="34" charset="0"/>
+                <a:ea typeface="Tahoma" panose="020B0604030504040204" pitchFamily="34" charset="0"/>
+                <a:cs typeface="Tahoma" panose="020B0604030504040204" pitchFamily="34" charset="0"/>
+              </a:rPr>
+              <a:t> di una variabile di un tipo di </a:t>
+            </a:r>
+            <a:r>
+              <a:rPr lang="it-IT" sz="2400" b="1" i="0">
+                <a:solidFill>
+                  <a:srgbClr val="202122"/>
+                </a:solidFill>
+                <a:effectLst/>
+                <a:latin typeface="Tahoma" panose="020B0604030504040204" pitchFamily="34" charset="0"/>
+                <a:ea typeface="Tahoma" panose="020B0604030504040204" pitchFamily="34" charset="0"/>
+                <a:cs typeface="Tahoma" panose="020B0604030504040204" pitchFamily="34" charset="0"/>
+              </a:rPr>
+              <a:t>dati</a:t>
+            </a:r>
+            <a:r>
+              <a:rPr lang="it-IT" sz="2400" b="0" i="0">
+                <a:solidFill>
+                  <a:srgbClr val="202122"/>
+                </a:solidFill>
+                <a:effectLst/>
+                <a:latin typeface="Tahoma" panose="020B0604030504040204" pitchFamily="34" charset="0"/>
+                <a:ea typeface="Tahoma" panose="020B0604030504040204" pitchFamily="34" charset="0"/>
+                <a:cs typeface="Tahoma" panose="020B0604030504040204" pitchFamily="34" charset="0"/>
+              </a:rPr>
+              <a:t> </a:t>
+            </a:r>
+            <a:r>
+              <a:rPr lang="it-IT" sz="2400" b="1" i="0">
+                <a:solidFill>
+                  <a:srgbClr val="202122"/>
+                </a:solidFill>
+                <a:effectLst/>
+                <a:latin typeface="Tahoma" panose="020B0604030504040204" pitchFamily="34" charset="0"/>
+                <a:ea typeface="Tahoma" panose="020B0604030504040204" pitchFamily="34" charset="0"/>
+                <a:cs typeface="Tahoma" panose="020B0604030504040204" pitchFamily="34" charset="0"/>
+              </a:rPr>
+              <a:t>complesso</a:t>
+            </a:r>
+            <a:r>
+              <a:rPr lang="it-IT" sz="2400" b="0" i="0">
+                <a:solidFill>
+                  <a:srgbClr val="202122"/>
+                </a:solidFill>
+                <a:effectLst/>
+                <a:latin typeface="Tahoma" panose="020B0604030504040204" pitchFamily="34" charset="0"/>
+                <a:ea typeface="Tahoma" panose="020B0604030504040204" pitchFamily="34" charset="0"/>
+                <a:cs typeface="Tahoma" panose="020B0604030504040204" pitchFamily="34" charset="0"/>
+              </a:rPr>
+              <a:t> è detta "</a:t>
+            </a:r>
+            <a:r>
+              <a:rPr lang="it-IT" sz="2400" b="1" i="0">
+                <a:solidFill>
+                  <a:srgbClr val="202122"/>
+                </a:solidFill>
+                <a:effectLst/>
+                <a:latin typeface="Tahoma" panose="020B0604030504040204" pitchFamily="34" charset="0"/>
+                <a:ea typeface="Tahoma" panose="020B0604030504040204" pitchFamily="34" charset="0"/>
+                <a:cs typeface="Tahoma" panose="020B0604030504040204" pitchFamily="34" charset="0"/>
+              </a:rPr>
+              <a:t>istanziazione</a:t>
+            </a:r>
+            <a:r>
+              <a:rPr lang="it-IT" sz="2400" b="0" i="0">
+                <a:solidFill>
+                  <a:srgbClr val="202122"/>
+                </a:solidFill>
+                <a:effectLst/>
+                <a:latin typeface="Tahoma" panose="020B0604030504040204" pitchFamily="34" charset="0"/>
+                <a:ea typeface="Tahoma" panose="020B0604030504040204" pitchFamily="34" charset="0"/>
+                <a:cs typeface="Tahoma" panose="020B0604030504040204" pitchFamily="34" charset="0"/>
+              </a:rPr>
+              <a:t>", e può avvenire sia durante la </a:t>
+            </a:r>
+            <a:r>
+              <a:rPr lang="it-IT" sz="2400" b="1" i="0">
+                <a:solidFill>
+                  <a:srgbClr val="202122"/>
+                </a:solidFill>
+                <a:effectLst/>
+                <a:latin typeface="Tahoma" panose="020B0604030504040204" pitchFamily="34" charset="0"/>
+                <a:ea typeface="Tahoma" panose="020B0604030504040204" pitchFamily="34" charset="0"/>
+                <a:cs typeface="Tahoma" panose="020B0604030504040204" pitchFamily="34" charset="0"/>
+              </a:rPr>
+              <a:t>compilazione del programma </a:t>
+            </a:r>
+            <a:r>
+              <a:rPr lang="it-IT" sz="2400" b="0" i="0">
+                <a:solidFill>
+                  <a:srgbClr val="202122"/>
+                </a:solidFill>
+                <a:effectLst/>
+                <a:latin typeface="Tahoma" panose="020B0604030504040204" pitchFamily="34" charset="0"/>
+                <a:ea typeface="Tahoma" panose="020B0604030504040204" pitchFamily="34" charset="0"/>
+                <a:cs typeface="Tahoma" panose="020B0604030504040204" pitchFamily="34" charset="0"/>
+              </a:rPr>
+              <a:t>(</a:t>
+            </a:r>
+            <a:r>
+              <a:rPr lang="it-IT" sz="2400" b="0" i="1">
+                <a:solidFill>
+                  <a:srgbClr val="202122"/>
+                </a:solidFill>
+                <a:effectLst/>
+                <a:latin typeface="Tahoma" panose="020B0604030504040204" pitchFamily="34" charset="0"/>
+                <a:ea typeface="Tahoma" panose="020B0604030504040204" pitchFamily="34" charset="0"/>
+                <a:cs typeface="Tahoma" panose="020B0604030504040204" pitchFamily="34" charset="0"/>
+              </a:rPr>
+              <a:t>compile time</a:t>
+            </a:r>
+            <a:r>
+              <a:rPr lang="it-IT" sz="2400" b="0" i="0">
+                <a:solidFill>
+                  <a:srgbClr val="202122"/>
+                </a:solidFill>
+                <a:effectLst/>
+                <a:latin typeface="Tahoma" panose="020B0604030504040204" pitchFamily="34" charset="0"/>
+                <a:ea typeface="Tahoma" panose="020B0604030504040204" pitchFamily="34" charset="0"/>
+                <a:cs typeface="Tahoma" panose="020B0604030504040204" pitchFamily="34" charset="0"/>
+              </a:rPr>
+              <a:t>) sia durante la sua </a:t>
+            </a:r>
+            <a:r>
+              <a:rPr lang="it-IT" sz="2400" b="1" i="0">
+                <a:solidFill>
+                  <a:srgbClr val="202122"/>
+                </a:solidFill>
+                <a:effectLst/>
+                <a:latin typeface="Tahoma" panose="020B0604030504040204" pitchFamily="34" charset="0"/>
+                <a:ea typeface="Tahoma" panose="020B0604030504040204" pitchFamily="34" charset="0"/>
+                <a:cs typeface="Tahoma" panose="020B0604030504040204" pitchFamily="34" charset="0"/>
+              </a:rPr>
+              <a:t>esecuzione</a:t>
+            </a:r>
+            <a:r>
+              <a:rPr lang="it-IT" sz="2400" b="0" i="0">
+                <a:solidFill>
+                  <a:srgbClr val="202122"/>
+                </a:solidFill>
+                <a:effectLst/>
+                <a:latin typeface="Tahoma" panose="020B0604030504040204" pitchFamily="34" charset="0"/>
+                <a:ea typeface="Tahoma" panose="020B0604030504040204" pitchFamily="34" charset="0"/>
+                <a:cs typeface="Tahoma" panose="020B0604030504040204" pitchFamily="34" charset="0"/>
+              </a:rPr>
+              <a:t> (runtime).</a:t>
+            </a:r>
+          </a:p>
+          <a:p>
+            <a:pPr marL="342900" indent="-342900" algn="just">
+              <a:lnSpc>
+                <a:spcPct val="115000"/>
+              </a:lnSpc>
+              <a:spcBef>
+                <a:spcPts val="2400"/>
+              </a:spcBef>
+              <a:buFont typeface="Wingdings" panose="05000000000000000000" pitchFamily="2" charset="2"/>
+              <a:buChar char="ü"/>
+              <a:tabLst>
+                <a:tab pos="457200" algn="l"/>
+              </a:tabLst>
+            </a:pPr>
+            <a:r>
+              <a:rPr lang="it-IT" sz="2400" b="0" i="0">
+                <a:solidFill>
+                  <a:srgbClr val="202122"/>
+                </a:solidFill>
+                <a:effectLst/>
+                <a:latin typeface="Tahoma" panose="020B0604030504040204" pitchFamily="34" charset="0"/>
+                <a:ea typeface="Tahoma" panose="020B0604030504040204" pitchFamily="34" charset="0"/>
+                <a:cs typeface="Tahoma" panose="020B0604030504040204" pitchFamily="34" charset="0"/>
+              </a:rPr>
+              <a:t>Le strutture di dati si </a:t>
+            </a:r>
+            <a:r>
+              <a:rPr lang="it-IT" sz="2400" b="1" i="0">
+                <a:solidFill>
+                  <a:srgbClr val="202122"/>
+                </a:solidFill>
+                <a:effectLst/>
+                <a:latin typeface="Tahoma" panose="020B0604030504040204" pitchFamily="34" charset="0"/>
+                <a:ea typeface="Tahoma" panose="020B0604030504040204" pitchFamily="34" charset="0"/>
+                <a:cs typeface="Tahoma" panose="020B0604030504040204" pitchFamily="34" charset="0"/>
+              </a:rPr>
+              <a:t>differenziano</a:t>
+            </a:r>
+            <a:r>
+              <a:rPr lang="it-IT" sz="2400" b="0" i="0">
+                <a:solidFill>
+                  <a:srgbClr val="202122"/>
+                </a:solidFill>
+                <a:effectLst/>
+                <a:latin typeface="Tahoma" panose="020B0604030504040204" pitchFamily="34" charset="0"/>
+                <a:ea typeface="Tahoma" panose="020B0604030504040204" pitchFamily="34" charset="0"/>
+                <a:cs typeface="Tahoma" panose="020B0604030504040204" pitchFamily="34" charset="0"/>
+              </a:rPr>
+              <a:t> prima di tutto in base alle </a:t>
+            </a:r>
+            <a:r>
+              <a:rPr lang="it-IT" sz="2400" b="1" i="0">
+                <a:solidFill>
+                  <a:srgbClr val="202122"/>
+                </a:solidFill>
+                <a:effectLst/>
+                <a:latin typeface="Tahoma" panose="020B0604030504040204" pitchFamily="34" charset="0"/>
+                <a:ea typeface="Tahoma" panose="020B0604030504040204" pitchFamily="34" charset="0"/>
+                <a:cs typeface="Tahoma" panose="020B0604030504040204" pitchFamily="34" charset="0"/>
+              </a:rPr>
+              <a:t>operazioni</a:t>
+            </a:r>
+            <a:r>
+              <a:rPr lang="it-IT" sz="2400" b="0" i="0">
+                <a:solidFill>
+                  <a:srgbClr val="202122"/>
+                </a:solidFill>
+                <a:effectLst/>
+                <a:latin typeface="Tahoma" panose="020B0604030504040204" pitchFamily="34" charset="0"/>
+                <a:ea typeface="Tahoma" panose="020B0604030504040204" pitchFamily="34" charset="0"/>
+                <a:cs typeface="Tahoma" panose="020B0604030504040204" pitchFamily="34" charset="0"/>
+              </a:rPr>
+              <a:t> che si possono effettuare su di esse e alle </a:t>
+            </a:r>
+            <a:r>
+              <a:rPr lang="it-IT" sz="2400" b="1" i="0">
+                <a:solidFill>
+                  <a:srgbClr val="202122"/>
+                </a:solidFill>
+                <a:effectLst/>
+                <a:latin typeface="Tahoma" panose="020B0604030504040204" pitchFamily="34" charset="0"/>
+                <a:ea typeface="Tahoma" panose="020B0604030504040204" pitchFamily="34" charset="0"/>
+                <a:cs typeface="Tahoma" panose="020B0604030504040204" pitchFamily="34" charset="0"/>
+              </a:rPr>
+              <a:t>prestazioni offerte</a:t>
+            </a:r>
+            <a:r>
+              <a:rPr lang="it-IT" sz="2400" b="0" i="0">
+                <a:solidFill>
+                  <a:srgbClr val="202122"/>
+                </a:solidFill>
+                <a:effectLst/>
+                <a:latin typeface="Tahoma" panose="020B0604030504040204" pitchFamily="34" charset="0"/>
+                <a:ea typeface="Tahoma" panose="020B0604030504040204" pitchFamily="34" charset="0"/>
+                <a:cs typeface="Tahoma" panose="020B0604030504040204" pitchFamily="34" charset="0"/>
+              </a:rPr>
+              <a:t>. Questo permette di studiare </a:t>
+            </a:r>
+            <a:r>
+              <a:rPr lang="it-IT" sz="2400" b="1" i="0">
+                <a:solidFill>
+                  <a:srgbClr val="202122"/>
+                </a:solidFill>
+                <a:effectLst/>
+                <a:latin typeface="Tahoma" panose="020B0604030504040204" pitchFamily="34" charset="0"/>
+                <a:ea typeface="Tahoma" panose="020B0604030504040204" pitchFamily="34" charset="0"/>
+                <a:cs typeface="Tahoma" panose="020B0604030504040204" pitchFamily="34" charset="0"/>
+              </a:rPr>
+              <a:t>un'astrazione</a:t>
+            </a:r>
+            <a:r>
+              <a:rPr lang="it-IT" sz="2400" b="0" i="0">
+                <a:solidFill>
+                  <a:srgbClr val="202122"/>
+                </a:solidFill>
+                <a:effectLst/>
+                <a:latin typeface="Tahoma" panose="020B0604030504040204" pitchFamily="34" charset="0"/>
+                <a:ea typeface="Tahoma" panose="020B0604030504040204" pitchFamily="34" charset="0"/>
+                <a:cs typeface="Tahoma" panose="020B0604030504040204" pitchFamily="34" charset="0"/>
+              </a:rPr>
+              <a:t> </a:t>
+            </a:r>
+            <a:r>
+              <a:rPr lang="it-IT" sz="2400" b="1" i="0">
+                <a:solidFill>
+                  <a:srgbClr val="202122"/>
+                </a:solidFill>
+                <a:effectLst/>
+                <a:latin typeface="Tahoma" panose="020B0604030504040204" pitchFamily="34" charset="0"/>
+                <a:ea typeface="Tahoma" panose="020B0604030504040204" pitchFamily="34" charset="0"/>
+                <a:cs typeface="Tahoma" panose="020B0604030504040204" pitchFamily="34" charset="0"/>
+              </a:rPr>
+              <a:t>dall'implementazione</a:t>
+            </a:r>
+            <a:r>
+              <a:rPr lang="it-IT" sz="2400" b="0" i="0">
+                <a:solidFill>
+                  <a:srgbClr val="202122"/>
+                </a:solidFill>
+                <a:effectLst/>
+                <a:latin typeface="Tahoma" panose="020B0604030504040204" pitchFamily="34" charset="0"/>
+                <a:ea typeface="Tahoma" panose="020B0604030504040204" pitchFamily="34" charset="0"/>
+                <a:cs typeface="Tahoma" panose="020B0604030504040204" pitchFamily="34" charset="0"/>
+              </a:rPr>
+              <a:t>.</a:t>
+            </a:r>
+          </a:p>
+          <a:p>
+            <a:pPr marL="342900" indent="-342900" algn="just">
+              <a:lnSpc>
+                <a:spcPct val="115000"/>
+              </a:lnSpc>
+              <a:spcBef>
+                <a:spcPts val="2400"/>
+              </a:spcBef>
+              <a:buFont typeface="Wingdings" panose="05000000000000000000" pitchFamily="2" charset="2"/>
+              <a:buChar char="ü"/>
+              <a:tabLst>
+                <a:tab pos="457200" algn="l"/>
+              </a:tabLst>
+            </a:pPr>
+            <a:endParaRPr lang="it-IT" sz="2400">
+              <a:solidFill>
+                <a:schemeClr val="tx1"/>
+              </a:solidFill>
+              <a:latin typeface="Tahoma" panose="020B0604030504040204" pitchFamily="34" charset="0"/>
+              <a:ea typeface="Tahoma" panose="020B0604030504040204" pitchFamily="34" charset="0"/>
+              <a:cs typeface="Tahoma" panose="020B0604030504040204" pitchFamily="34" charset="0"/>
+            </a:endParaRPr>
+          </a:p>
+        </p:txBody>
+      </p:sp>
+      <p:sp>
+        <p:nvSpPr>
           <p:cNvPr id="7" name="Segnaposto numero diapositiva 6">
             <a:extLst>
               <a:ext uri="{FF2B5EF4-FFF2-40B4-BE49-F238E27FC236}">
@@ -7251,6 +8173,112 @@
       </p:sp>
       <p:sp>
         <p:nvSpPr>
+          <p:cNvPr id="6" name="Titolo 4">
+            <a:extLst>
+              <a:ext uri="{FF2B5EF4-FFF2-40B4-BE49-F238E27FC236}">
+                <a16:creationId xmlns:a16="http://schemas.microsoft.com/office/drawing/2014/main" id="{CF9A4806-60B4-80DC-1F76-D2EB3E6C376B}"/>
+              </a:ext>
+            </a:extLst>
+          </p:cNvPr>
+          <p:cNvSpPr>
+            <a:spLocks noGrp="1"/>
+          </p:cNvSpPr>
+          <p:nvPr>
+            <p:ph type="title"/>
+          </p:nvPr>
+        </p:nvSpPr>
+        <p:spPr>
+          <a:xfrm>
+            <a:off x="461169" y="422999"/>
+            <a:ext cx="11269662" cy="384721"/>
+          </a:xfrm>
+        </p:spPr>
+        <p:txBody>
+          <a:bodyPr/>
+          <a:lstStyle/>
+          <a:p>
+            <a:r>
+              <a:rPr lang="it-IT">
+                <a:solidFill>
+                  <a:schemeClr val="tx1"/>
+                </a:solidFill>
+                <a:latin typeface="Tahoma" panose="020B0604030504040204" pitchFamily="34" charset="0"/>
+                <a:ea typeface="Tahoma" panose="020B0604030504040204" pitchFamily="34" charset="0"/>
+                <a:cs typeface="Tahoma" panose="020B0604030504040204" pitchFamily="34" charset="0"/>
+              </a:rPr>
+              <a:t>Strutture di Dati</a:t>
+            </a:r>
+            <a:endParaRPr lang="it-IT" dirty="0"/>
+          </a:p>
+        </p:txBody>
+      </p:sp>
+    </p:spTree>
+    <p:extLst>
+      <p:ext uri="{BB962C8B-B14F-4D97-AF65-F5344CB8AC3E}">
+        <p14:creationId xmlns:p14="http://schemas.microsoft.com/office/powerpoint/2010/main" val="4004060497"/>
+      </p:ext>
+    </p:extLst>
+  </p:cSld>
+  <p:clrMapOvr>
+    <a:masterClrMapping/>
+  </p:clrMapOvr>
+</p:sld>
+</file>
+
+<file path=ppt/slides/slide5.xml><?xml version="1.0" encoding="utf-8"?>
+<p:sld xmlns:a="http://schemas.openxmlformats.org/drawingml/2006/main" xmlns:r="http://schemas.openxmlformats.org/officeDocument/2006/relationships" xmlns:p="http://schemas.openxmlformats.org/presentationml/2006/main">
+  <p:cSld>
+    <p:spTree>
+      <p:nvGrpSpPr>
+        <p:cNvPr id="1" name=""/>
+        <p:cNvGrpSpPr/>
+        <p:nvPr/>
+      </p:nvGrpSpPr>
+      <p:grpSpPr>
+        <a:xfrm>
+          <a:off x="0" y="0"/>
+          <a:ext cx="0" cy="0"/>
+          <a:chOff x="0" y="0"/>
+          <a:chExt cx="0" cy="0"/>
+        </a:xfrm>
+      </p:grpSpPr>
+      <p:sp>
+        <p:nvSpPr>
+          <p:cNvPr id="7" name="Segnaposto numero diapositiva 6">
+            <a:extLst>
+              <a:ext uri="{FF2B5EF4-FFF2-40B4-BE49-F238E27FC236}">
+                <a16:creationId xmlns:a16="http://schemas.microsoft.com/office/drawing/2014/main" id="{AB740BE9-E218-4144-BFDE-AE473D230A3D}"/>
+              </a:ext>
+            </a:extLst>
+          </p:cNvPr>
+          <p:cNvSpPr>
+            <a:spLocks noGrp="1"/>
+          </p:cNvSpPr>
+          <p:nvPr>
+            <p:ph type="sldNum" sz="quarter" idx="12"/>
+          </p:nvPr>
+        </p:nvSpPr>
+        <p:spPr/>
+        <p:txBody>
+          <a:bodyPr/>
+          <a:lstStyle/>
+          <a:p>
+            <a:pPr>
+              <a:defRPr/>
+            </a:pPr>
+            <a:fld id="{48B4153A-D4C5-4CEF-8992-0D8815C829E3}" type="slidenum">
+              <a:rPr lang="en-US" smtClean="0"/>
+              <a:pPr>
+                <a:defRPr/>
+              </a:pPr>
+              <a:t>5</a:t>
+            </a:fld>
+            <a:endParaRPr lang="en-US" dirty="0"/>
+          </a:p>
+        </p:txBody>
+      </p:sp>
+      <p:sp>
+        <p:nvSpPr>
           <p:cNvPr id="5" name="Titolo 4">
             <a:extLst>
               <a:ext uri="{FF2B5EF4-FFF2-40B4-BE49-F238E27FC236}">
@@ -7313,6 +8341,41 @@
           </a:p>
           <a:p>
             <a:endParaRPr lang="it-IT" dirty="0"/>
+          </a:p>
+        </p:txBody>
+      </p:sp>
+      <p:sp>
+        <p:nvSpPr>
+          <p:cNvPr id="4" name="CasellaDiTesto 3">
+            <a:extLst>
+              <a:ext uri="{FF2B5EF4-FFF2-40B4-BE49-F238E27FC236}">
+                <a16:creationId xmlns:a16="http://schemas.microsoft.com/office/drawing/2014/main" id="{94C253C5-06EF-7407-4048-A447F5165056}"/>
+              </a:ext>
+            </a:extLst>
+          </p:cNvPr>
+          <p:cNvSpPr txBox="1"/>
+          <p:nvPr/>
+        </p:nvSpPr>
+        <p:spPr>
+          <a:xfrm>
+            <a:off x="670560" y="1557338"/>
+            <a:ext cx="6098344" cy="369332"/>
+          </a:xfrm>
+          <a:prstGeom prst="rect">
+            <a:avLst/>
+          </a:prstGeom>
+          <a:noFill/>
+        </p:spPr>
+        <p:txBody>
+          <a:bodyPr wrap="square">
+            <a:spAutoFit/>
+          </a:bodyPr>
+          <a:lstStyle/>
+          <a:p>
+            <a:r>
+              <a:rPr lang="it-IT"/>
+              <a:t>https://it.wikipedia.org/wiki/Struttura_dati</a:t>
+            </a:r>
           </a:p>
         </p:txBody>
       </p:sp>
@@ -7908,65 +8971,6 @@
 </file>
 
 <file path=customXml/item2.xml><?xml version="1.0" encoding="utf-8"?>
-<?mso-contentType ?>
-<FormTemplates xmlns="http://schemas.microsoft.com/sharepoint/v3/contenttype/forms">
-  <Display>DocumentLibraryForm</Display>
-  <Edit>DocumentLibraryForm</Edit>
-  <New>DocumentLibraryForm</New>
-</FormTemplates>
-</file>
-
-<file path=customXml/item3.xml><?xml version="1.0" encoding="utf-8"?>
-<?mso-contentType ?>
-<spe:Receivers xmlns:spe="http://schemas.microsoft.com/sharepoint/events">
-  <Receiver>
-    <Name>Document ID Generator</Name>
-    <Synchronization>Synchronous</Synchronization>
-    <Type>10001</Type>
-    <SequenceNumber>1000</SequenceNumber>
-    <Url/>
-    <Assembly>Microsoft.Office.DocumentManagement, Version=15.0.0.0, Culture=neutral, PublicKeyToken=71e9bce111e9429c</Assembly>
-    <Class>Microsoft.Office.DocumentManagement.Internal.DocIdHandler</Class>
-    <Data/>
-    <Filter/>
-  </Receiver>
-  <Receiver>
-    <Name>Document ID Generator</Name>
-    <Synchronization>Synchronous</Synchronization>
-    <Type>10002</Type>
-    <SequenceNumber>1001</SequenceNumber>
-    <Url/>
-    <Assembly>Microsoft.Office.DocumentManagement, Version=15.0.0.0, Culture=neutral, PublicKeyToken=71e9bce111e9429c</Assembly>
-    <Class>Microsoft.Office.DocumentManagement.Internal.DocIdHandler</Class>
-    <Data/>
-    <Filter/>
-  </Receiver>
-  <Receiver>
-    <Name>Document ID Generator</Name>
-    <Synchronization>Synchronous</Synchronization>
-    <Type>10004</Type>
-    <SequenceNumber>1002</SequenceNumber>
-    <Url/>
-    <Assembly>Microsoft.Office.DocumentManagement, Version=15.0.0.0, Culture=neutral, PublicKeyToken=71e9bce111e9429c</Assembly>
-    <Class>Microsoft.Office.DocumentManagement.Internal.DocIdHandler</Class>
-    <Data/>
-    <Filter/>
-  </Receiver>
-  <Receiver>
-    <Name>Document ID Generator</Name>
-    <Synchronization>Synchronous</Synchronization>
-    <Type>10006</Type>
-    <SequenceNumber>1003</SequenceNumber>
-    <Url/>
-    <Assembly>Microsoft.Office.DocumentManagement, Version=15.0.0.0, Culture=neutral, PublicKeyToken=71e9bce111e9429c</Assembly>
-    <Class>Microsoft.Office.DocumentManagement.Internal.DocIdHandler</Class>
-    <Data/>
-    <Filter/>
-  </Receiver>
-</spe:Receivers>
-</file>
-
-<file path=customXml/item4.xml><?xml version="1.0" encoding="utf-8"?>
 <ct:contentTypeSchema xmlns:ct="http://schemas.microsoft.com/office/2006/metadata/contentType" xmlns:ma="http://schemas.microsoft.com/office/2006/metadata/properties/metaAttributes" ct:_="" ma:_="" ma:contentTypeName="Documento" ma:contentTypeID="0x010100661A2BE3120D674DA36C11D6006822D4" ma:contentTypeVersion="3" ma:contentTypeDescription="Creare un nuovo documento." ma:contentTypeScope="" ma:versionID="2ad8b07f9840a1ce9cd199d874146b74">
   <xsd:schema xmlns:xsd="http://www.w3.org/2001/XMLSchema" xmlns:xs="http://www.w3.org/2001/XMLSchema" xmlns:p="http://schemas.microsoft.com/office/2006/metadata/properties" xmlns:ns2="c58f2efd-82a8-4ecf-b395-8c25e928921d" xmlns:ns3="459159c4-d20a-4ff3-9b11-fbd127bd52e5" xmlns:ns4="679261c3-551f-4e86-913f-177e0e529669" targetNamespace="http://schemas.microsoft.com/office/2006/metadata/properties" ma:root="true" ma:fieldsID="fffb0e16fb90ffea59fef1085e90ecca" ns2:_="" ns3:_="" ns4:_="">
     <xsd:import namespace="c58f2efd-82a8-4ecf-b395-8c25e928921d"/>
@@ -8153,6 +9157,65 @@
 </ct:contentTypeSchema>
 </file>
 
+<file path=customXml/item3.xml><?xml version="1.0" encoding="utf-8"?>
+<?mso-contentType ?>
+<spe:Receivers xmlns:spe="http://schemas.microsoft.com/sharepoint/events">
+  <Receiver>
+    <Name>Document ID Generator</Name>
+    <Synchronization>Synchronous</Synchronization>
+    <Type>10001</Type>
+    <SequenceNumber>1000</SequenceNumber>
+    <Url/>
+    <Assembly>Microsoft.Office.DocumentManagement, Version=15.0.0.0, Culture=neutral, PublicKeyToken=71e9bce111e9429c</Assembly>
+    <Class>Microsoft.Office.DocumentManagement.Internal.DocIdHandler</Class>
+    <Data/>
+    <Filter/>
+  </Receiver>
+  <Receiver>
+    <Name>Document ID Generator</Name>
+    <Synchronization>Synchronous</Synchronization>
+    <Type>10002</Type>
+    <SequenceNumber>1001</SequenceNumber>
+    <Url/>
+    <Assembly>Microsoft.Office.DocumentManagement, Version=15.0.0.0, Culture=neutral, PublicKeyToken=71e9bce111e9429c</Assembly>
+    <Class>Microsoft.Office.DocumentManagement.Internal.DocIdHandler</Class>
+    <Data/>
+    <Filter/>
+  </Receiver>
+  <Receiver>
+    <Name>Document ID Generator</Name>
+    <Synchronization>Synchronous</Synchronization>
+    <Type>10004</Type>
+    <SequenceNumber>1002</SequenceNumber>
+    <Url/>
+    <Assembly>Microsoft.Office.DocumentManagement, Version=15.0.0.0, Culture=neutral, PublicKeyToken=71e9bce111e9429c</Assembly>
+    <Class>Microsoft.Office.DocumentManagement.Internal.DocIdHandler</Class>
+    <Data/>
+    <Filter/>
+  </Receiver>
+  <Receiver>
+    <Name>Document ID Generator</Name>
+    <Synchronization>Synchronous</Synchronization>
+    <Type>10006</Type>
+    <SequenceNumber>1003</SequenceNumber>
+    <Url/>
+    <Assembly>Microsoft.Office.DocumentManagement, Version=15.0.0.0, Culture=neutral, PublicKeyToken=71e9bce111e9429c</Assembly>
+    <Class>Microsoft.Office.DocumentManagement.Internal.DocIdHandler</Class>
+    <Data/>
+    <Filter/>
+  </Receiver>
+</spe:Receivers>
+</file>
+
+<file path=customXml/item4.xml><?xml version="1.0" encoding="utf-8"?>
+<?mso-contentType ?>
+<FormTemplates xmlns="http://schemas.microsoft.com/sharepoint/v3/contenttype/forms">
+  <Display>DocumentLibraryForm</Display>
+  <Edit>DocumentLibraryForm</Edit>
+  <New>DocumentLibraryForm</New>
+</FormTemplates>
+</file>
+
 <file path=customXml/itemProps1.xml><?xml version="1.0" encoding="utf-8"?>
 <ds:datastoreItem xmlns:ds="http://schemas.openxmlformats.org/officeDocument/2006/customXml" ds:itemID="{3EF378BC-F4D0-4510-B4EC-07B6EFE18CF8}">
   <ds:schemaRefs>
@@ -8172,22 +9235,6 @@
 </file>
 
 <file path=customXml/itemProps2.xml><?xml version="1.0" encoding="utf-8"?>
-<ds:datastoreItem xmlns:ds="http://schemas.openxmlformats.org/officeDocument/2006/customXml" ds:itemID="{BD9C238D-4D5C-4783-820B-4854DCE45D41}">
-  <ds:schemaRefs>
-    <ds:schemaRef ds:uri="http://schemas.microsoft.com/sharepoint/v3/contenttype/forms"/>
-  </ds:schemaRefs>
-</ds:datastoreItem>
-</file>
-
-<file path=customXml/itemProps3.xml><?xml version="1.0" encoding="utf-8"?>
-<ds:datastoreItem xmlns:ds="http://schemas.openxmlformats.org/officeDocument/2006/customXml" ds:itemID="{D9296C4F-9DE9-4B43-AA80-1FC85656CFFA}">
-  <ds:schemaRefs>
-    <ds:schemaRef ds:uri="http://schemas.microsoft.com/sharepoint/events"/>
-  </ds:schemaRefs>
-</ds:datastoreItem>
-</file>
-
-<file path=customXml/itemProps4.xml><?xml version="1.0" encoding="utf-8"?>
 <ds:datastoreItem xmlns:ds="http://schemas.openxmlformats.org/officeDocument/2006/customXml" ds:itemID="{3F66F418-6054-4EA5-BF8E-6AF3CEAE6265}">
   <ds:schemaRefs>
     <ds:schemaRef ds:uri="http://schemas.microsoft.com/office/2006/metadata/contentType"/>
@@ -8205,4 +9252,20 @@
     <ds:schemaRef ds:uri="http://schemas.microsoft.com/internal/obd"/>
   </ds:schemaRefs>
 </ds:datastoreItem>
+</file>
+
+<file path=customXml/itemProps3.xml><?xml version="1.0" encoding="utf-8"?>
+<ds:datastoreItem xmlns:ds="http://schemas.openxmlformats.org/officeDocument/2006/customXml" ds:itemID="{D9296C4F-9DE9-4B43-AA80-1FC85656CFFA}">
+  <ds:schemaRefs>
+    <ds:schemaRef ds:uri="http://schemas.microsoft.com/sharepoint/events"/>
+  </ds:schemaRefs>
+</ds:datastoreItem>
+</file>
+
+<file path=customXml/itemProps4.xml><?xml version="1.0" encoding="utf-8"?>
+<ds:datastoreItem xmlns:ds="http://schemas.openxmlformats.org/officeDocument/2006/customXml" ds:itemID="{BD9C238D-4D5C-4783-820B-4854DCE45D41}">
+  <ds:schemaRefs>
+    <ds:schemaRef ds:uri="http://schemas.microsoft.com/sharepoint/v3/contenttype/forms"/>
+  </ds:schemaRefs>
+</ds:datastoreItem>
 </file>